--- a/week 03/Week 03_Preprocessing.pptx
+++ b/week 03/Week 03_Preprocessing.pptx
@@ -5,7 +5,7 @@
     <p:sldMasterId id="2147483659" r:id="rId1"/>
   </p:sldMasterIdLst>
   <p:notesMasterIdLst>
-    <p:notesMasterId r:id="rId17"/>
+    <p:notesMasterId r:id="rId21"/>
   </p:notesMasterIdLst>
   <p:sldIdLst>
     <p:sldId id="256" r:id="rId2"/>
@@ -21,27 +21,38 @@
     <p:sldId id="287" r:id="rId12"/>
     <p:sldId id="288" r:id="rId13"/>
     <p:sldId id="289" r:id="rId14"/>
-    <p:sldId id="291" r:id="rId15"/>
-    <p:sldId id="290" r:id="rId16"/>
+    <p:sldId id="292" r:id="rId15"/>
+    <p:sldId id="293" r:id="rId16"/>
+    <p:sldId id="294" r:id="rId17"/>
+    <p:sldId id="295" r:id="rId18"/>
+    <p:sldId id="291" r:id="rId19"/>
+    <p:sldId id="290" r:id="rId20"/>
   </p:sldIdLst>
   <p:sldSz cx="9144000" cy="5143500" type="screen16x9"/>
   <p:notesSz cx="6858000" cy="9144000"/>
   <p:embeddedFontLst>
     <p:embeddedFont>
       <p:font typeface="Arial Black" panose="020B0A04020102020204" pitchFamily="34" charset="0"/>
-      <p:bold r:id="rId18"/>
+      <p:bold r:id="rId22"/>
     </p:embeddedFont>
     <p:embeddedFont>
       <p:font typeface="Franklin Gothic Book" panose="020B0503020102020204" pitchFamily="34" charset="0"/>
-      <p:regular r:id="rId19"/>
-      <p:italic r:id="rId20"/>
+      <p:regular r:id="rId23"/>
+      <p:italic r:id="rId24"/>
+    </p:embeddedFont>
+    <p:embeddedFont>
+      <p:font typeface="Georgia" panose="02040502050405020303" pitchFamily="18" charset="0"/>
+      <p:regular r:id="rId25"/>
+      <p:bold r:id="rId26"/>
+      <p:italic r:id="rId27"/>
+      <p:boldItalic r:id="rId28"/>
     </p:embeddedFont>
     <p:embeddedFont>
       <p:font typeface="Roboto" panose="020B0604020202020204" charset="0"/>
-      <p:regular r:id="rId21"/>
-      <p:bold r:id="rId22"/>
-      <p:italic r:id="rId23"/>
-      <p:boldItalic r:id="rId24"/>
+      <p:regular r:id="rId29"/>
+      <p:bold r:id="rId30"/>
+      <p:italic r:id="rId31"/>
+      <p:boldItalic r:id="rId32"/>
     </p:embeddedFont>
   </p:embeddedFontLst>
   <p:defaultTextStyle>
@@ -1137,6 +1148,234 @@
     <p:extLst>
       <p:ext uri="{BB962C8B-B14F-4D97-AF65-F5344CB8AC3E}">
         <p14:creationId xmlns:p14="http://schemas.microsoft.com/office/powerpoint/2010/main" val="3268712685"/>
+      </p:ext>
+    </p:extLst>
+  </p:cSld>
+  <p:clrMapOvr>
+    <a:masterClrMapping/>
+  </p:clrMapOvr>
+</p:notes>
+</file>
+
+<file path=ppt/notesSlides/notesSlide6.xml><?xml version="1.0" encoding="utf-8"?>
+<p:notes xmlns:a="http://schemas.openxmlformats.org/drawingml/2006/main" xmlns:r="http://schemas.openxmlformats.org/officeDocument/2006/relationships" xmlns:p="http://schemas.openxmlformats.org/presentationml/2006/main">
+  <p:cSld>
+    <p:spTree>
+      <p:nvGrpSpPr>
+        <p:cNvPr id="1" name=""/>
+        <p:cNvGrpSpPr/>
+        <p:nvPr/>
+      </p:nvGrpSpPr>
+      <p:grpSpPr>
+        <a:xfrm>
+          <a:off x="0" y="0"/>
+          <a:ext cx="0" cy="0"/>
+          <a:chOff x="0" y="0"/>
+          <a:chExt cx="0" cy="0"/>
+        </a:xfrm>
+      </p:grpSpPr>
+      <p:sp>
+        <p:nvSpPr>
+          <p:cNvPr id="2" name="Slide Image Placeholder 1"/>
+          <p:cNvSpPr>
+            <a:spLocks noGrp="1" noRot="1" noChangeAspect="1"/>
+          </p:cNvSpPr>
+          <p:nvPr>
+            <p:ph type="sldImg"/>
+          </p:nvPr>
+        </p:nvSpPr>
+        <p:spPr>
+          <a:xfrm>
+            <a:off x="381000" y="685800"/>
+            <a:ext cx="6096000" cy="3429000"/>
+          </a:xfrm>
+        </p:spPr>
+      </p:sp>
+      <p:sp>
+        <p:nvSpPr>
+          <p:cNvPr id="3" name="Notes Placeholder 2"/>
+          <p:cNvSpPr>
+            <a:spLocks noGrp="1"/>
+          </p:cNvSpPr>
+          <p:nvPr>
+            <p:ph type="body" idx="1"/>
+          </p:nvPr>
+        </p:nvSpPr>
+        <p:spPr/>
+        <p:txBody>
+          <a:bodyPr/>
+          <a:lstStyle/>
+          <a:p>
+            <a:r>
+              <a:rPr lang="en-IN" dirty="0"/>
+              <a:t>Ref : https://newonlinecourses.science.psu.edu/stat501/node/319/</a:t>
+            </a:r>
+          </a:p>
+          <a:p>
+            <a:endParaRPr lang="en-IN" dirty="0"/>
+          </a:p>
+        </p:txBody>
+      </p:sp>
+    </p:spTree>
+    <p:extLst>
+      <p:ext uri="{BB962C8B-B14F-4D97-AF65-F5344CB8AC3E}">
+        <p14:creationId xmlns:p14="http://schemas.microsoft.com/office/powerpoint/2010/main" val="2760472799"/>
+      </p:ext>
+    </p:extLst>
+  </p:cSld>
+  <p:clrMapOvr>
+    <a:masterClrMapping/>
+  </p:clrMapOvr>
+</p:notes>
+</file>
+
+<file path=ppt/notesSlides/notesSlide7.xml><?xml version="1.0" encoding="utf-8"?>
+<p:notes xmlns:a="http://schemas.openxmlformats.org/drawingml/2006/main" xmlns:r="http://schemas.openxmlformats.org/officeDocument/2006/relationships" xmlns:p="http://schemas.openxmlformats.org/presentationml/2006/main">
+  <p:cSld>
+    <p:spTree>
+      <p:nvGrpSpPr>
+        <p:cNvPr id="1" name=""/>
+        <p:cNvGrpSpPr/>
+        <p:nvPr/>
+      </p:nvGrpSpPr>
+      <p:grpSpPr>
+        <a:xfrm>
+          <a:off x="0" y="0"/>
+          <a:ext cx="0" cy="0"/>
+          <a:chOff x="0" y="0"/>
+          <a:chExt cx="0" cy="0"/>
+        </a:xfrm>
+      </p:grpSpPr>
+      <p:sp>
+        <p:nvSpPr>
+          <p:cNvPr id="2" name="Slide Image Placeholder 1"/>
+          <p:cNvSpPr>
+            <a:spLocks noGrp="1" noRot="1" noChangeAspect="1"/>
+          </p:cNvSpPr>
+          <p:nvPr>
+            <p:ph type="sldImg"/>
+          </p:nvPr>
+        </p:nvSpPr>
+        <p:spPr>
+          <a:xfrm>
+            <a:off x="381000" y="685800"/>
+            <a:ext cx="6096000" cy="3429000"/>
+          </a:xfrm>
+        </p:spPr>
+      </p:sp>
+      <p:sp>
+        <p:nvSpPr>
+          <p:cNvPr id="3" name="Notes Placeholder 2"/>
+          <p:cNvSpPr>
+            <a:spLocks noGrp="1"/>
+          </p:cNvSpPr>
+          <p:nvPr>
+            <p:ph type="body" idx="1"/>
+          </p:nvPr>
+        </p:nvSpPr>
+        <p:spPr/>
+        <p:txBody>
+          <a:bodyPr/>
+          <a:lstStyle/>
+          <a:p>
+            <a:pPr marL="139700" indent="0">
+              <a:buNone/>
+            </a:pPr>
+            <a:r>
+              <a:rPr lang="en-IN" dirty="0"/>
+              <a:t>Ref : https://scikit-learn.org/stable/modules/generated/sklearn.preprocessing.PolynomialFeatures.html</a:t>
+            </a:r>
+          </a:p>
+          <a:p>
+            <a:pPr marL="139700" indent="0">
+              <a:buNone/>
+            </a:pPr>
+            <a:endParaRPr lang="en-IN" dirty="0"/>
+          </a:p>
+        </p:txBody>
+      </p:sp>
+    </p:spTree>
+    <p:extLst>
+      <p:ext uri="{BB962C8B-B14F-4D97-AF65-F5344CB8AC3E}">
+        <p14:creationId xmlns:p14="http://schemas.microsoft.com/office/powerpoint/2010/main" val="1875279952"/>
+      </p:ext>
+    </p:extLst>
+  </p:cSld>
+  <p:clrMapOvr>
+    <a:masterClrMapping/>
+  </p:clrMapOvr>
+</p:notes>
+</file>
+
+<file path=ppt/notesSlides/notesSlide8.xml><?xml version="1.0" encoding="utf-8"?>
+<p:notes xmlns:a="http://schemas.openxmlformats.org/drawingml/2006/main" xmlns:r="http://schemas.openxmlformats.org/officeDocument/2006/relationships" xmlns:p="http://schemas.openxmlformats.org/presentationml/2006/main">
+  <p:cSld>
+    <p:spTree>
+      <p:nvGrpSpPr>
+        <p:cNvPr id="1" name=""/>
+        <p:cNvGrpSpPr/>
+        <p:nvPr/>
+      </p:nvGrpSpPr>
+      <p:grpSpPr>
+        <a:xfrm>
+          <a:off x="0" y="0"/>
+          <a:ext cx="0" cy="0"/>
+          <a:chOff x="0" y="0"/>
+          <a:chExt cx="0" cy="0"/>
+        </a:xfrm>
+      </p:grpSpPr>
+      <p:sp>
+        <p:nvSpPr>
+          <p:cNvPr id="2" name="Slide Image Placeholder 1"/>
+          <p:cNvSpPr>
+            <a:spLocks noGrp="1" noRot="1" noChangeAspect="1"/>
+          </p:cNvSpPr>
+          <p:nvPr>
+            <p:ph type="sldImg"/>
+          </p:nvPr>
+        </p:nvSpPr>
+        <p:spPr>
+          <a:xfrm>
+            <a:off x="381000" y="685800"/>
+            <a:ext cx="6096000" cy="3429000"/>
+          </a:xfrm>
+        </p:spPr>
+      </p:sp>
+      <p:sp>
+        <p:nvSpPr>
+          <p:cNvPr id="3" name="Notes Placeholder 2"/>
+          <p:cNvSpPr>
+            <a:spLocks noGrp="1"/>
+          </p:cNvSpPr>
+          <p:nvPr>
+            <p:ph type="body" idx="1"/>
+          </p:nvPr>
+        </p:nvSpPr>
+        <p:spPr/>
+        <p:txBody>
+          <a:bodyPr/>
+          <a:lstStyle/>
+          <a:p>
+            <a:pPr marL="139700" indent="0">
+              <a:buNone/>
+            </a:pPr>
+            <a:r>
+              <a:rPr lang="en-IN" dirty="0"/>
+              <a:t>Ref : https://towardsdatascience.com/overfitting-vs-underfitting-a-complete-example-d05dd7e19765</a:t>
+            </a:r>
+          </a:p>
+          <a:p>
+            <a:pPr marL="139700" indent="0">
+              <a:buNone/>
+            </a:pPr>
+            <a:endParaRPr lang="en-IN" dirty="0"/>
+          </a:p>
+        </p:txBody>
+      </p:sp>
+    </p:spTree>
+    <p:extLst>
+      <p:ext uri="{BB962C8B-B14F-4D97-AF65-F5344CB8AC3E}">
+        <p14:creationId xmlns:p14="http://schemas.microsoft.com/office/powerpoint/2010/main" val="286439930"/>
       </p:ext>
     </p:extLst>
   </p:cSld>
@@ -6162,8 +6401,8 @@
               <a:buNone/>
             </a:pPr>
             <a:r>
-              <a:rPr lang="en-IN" dirty="0" err="1"/>
-              <a:t>Preprocessing</a:t>
+              <a:rPr lang="en-IN"/>
+              <a:t>Pre-processing</a:t>
             </a:r>
             <a:endParaRPr dirty="0"/>
           </a:p>
@@ -6905,6 +7144,1095 @@
       </p:grpSpPr>
       <p:sp>
         <p:nvSpPr>
+          <p:cNvPr id="2" name="Title 1">
+            <a:extLst>
+              <a:ext uri="{FF2B5EF4-FFF2-40B4-BE49-F238E27FC236}">
+                <a16:creationId xmlns:a16="http://schemas.microsoft.com/office/drawing/2014/main" id="{E3110F66-D8B1-4A9F-AD14-82B710282B47}"/>
+              </a:ext>
+            </a:extLst>
+          </p:cNvPr>
+          <p:cNvSpPr>
+            <a:spLocks noGrp="1"/>
+          </p:cNvSpPr>
+          <p:nvPr>
+            <p:ph type="title"/>
+          </p:nvPr>
+        </p:nvSpPr>
+        <p:spPr/>
+        <p:txBody>
+          <a:bodyPr/>
+          <a:lstStyle/>
+          <a:p>
+            <a:r>
+              <a:rPr lang="en-IN" dirty="0"/>
+              <a:t>Transform</a:t>
+            </a:r>
+          </a:p>
+        </p:txBody>
+      </p:sp>
+      <p:sp>
+        <p:nvSpPr>
+          <p:cNvPr id="3" name="Text Placeholder 2">
+            <a:extLst>
+              <a:ext uri="{FF2B5EF4-FFF2-40B4-BE49-F238E27FC236}">
+                <a16:creationId xmlns:a16="http://schemas.microsoft.com/office/drawing/2014/main" id="{64633B29-BA0E-4C71-8219-E40C014C39A8}"/>
+              </a:ext>
+            </a:extLst>
+          </p:cNvPr>
+          <p:cNvSpPr>
+            <a:spLocks noGrp="1"/>
+          </p:cNvSpPr>
+          <p:nvPr>
+            <p:ph type="body" idx="1"/>
+          </p:nvPr>
+        </p:nvSpPr>
+        <p:spPr/>
+        <p:txBody>
+          <a:bodyPr/>
+          <a:lstStyle/>
+          <a:p>
+            <a:pPr marL="114300" indent="0">
+              <a:buNone/>
+            </a:pPr>
+            <a:r>
+              <a:rPr lang="en-IN" dirty="0"/>
+              <a:t>Most Frequently log transform</a:t>
+            </a:r>
+          </a:p>
+          <a:p>
+            <a:r>
+              <a:rPr lang="en-IN" dirty="0"/>
+              <a:t>to achieve linearity.</a:t>
+            </a:r>
+          </a:p>
+          <a:p>
+            <a:r>
+              <a:rPr lang="en-IN" dirty="0"/>
+              <a:t>to achieve homogeneity of variance.</a:t>
+            </a:r>
+          </a:p>
+          <a:p>
+            <a:r>
+              <a:rPr lang="en-IN" dirty="0"/>
+              <a:t>First, transform the dependent variable. Then if required transform the X variable to achieve linearity.</a:t>
+            </a:r>
+          </a:p>
+          <a:p>
+            <a:pPr marL="114300" indent="0">
+              <a:buNone/>
+            </a:pPr>
+            <a:r>
+              <a:rPr lang="en-IN" dirty="0"/>
+              <a:t>Sometime other transforms (roots, powers etc)</a:t>
+            </a:r>
+          </a:p>
+          <a:p>
+            <a:pPr marL="114300" indent="0">
+              <a:buNone/>
+            </a:pPr>
+            <a:endParaRPr lang="en-IN" dirty="0"/>
+          </a:p>
+          <a:p>
+            <a:pPr marL="114300" indent="0">
+              <a:buNone/>
+            </a:pPr>
+            <a:r>
+              <a:rPr lang="en-IN" dirty="0"/>
+              <a:t>Remember to interpret the model.</a:t>
+            </a:r>
+          </a:p>
+          <a:p>
+            <a:endParaRPr lang="en-IN" dirty="0"/>
+          </a:p>
+        </p:txBody>
+      </p:sp>
+    </p:spTree>
+    <p:extLst>
+      <p:ext uri="{BB962C8B-B14F-4D97-AF65-F5344CB8AC3E}">
+        <p14:creationId xmlns:p14="http://schemas.microsoft.com/office/powerpoint/2010/main" val="358136006"/>
+      </p:ext>
+    </p:extLst>
+  </p:cSld>
+  <p:clrMapOvr>
+    <a:masterClrMapping/>
+  </p:clrMapOvr>
+</p:sld>
+</file>
+
+<file path=ppt/slides/slide15.xml><?xml version="1.0" encoding="utf-8"?>
+<p:sld xmlns:a="http://schemas.openxmlformats.org/drawingml/2006/main" xmlns:r="http://schemas.openxmlformats.org/officeDocument/2006/relationships" xmlns:p="http://schemas.openxmlformats.org/presentationml/2006/main">
+  <p:cSld>
+    <p:spTree>
+      <p:nvGrpSpPr>
+        <p:cNvPr id="1" name=""/>
+        <p:cNvGrpSpPr/>
+        <p:nvPr/>
+      </p:nvGrpSpPr>
+      <p:grpSpPr>
+        <a:xfrm>
+          <a:off x="0" y="0"/>
+          <a:ext cx="0" cy="0"/>
+          <a:chOff x="0" y="0"/>
+          <a:chExt cx="0" cy="0"/>
+        </a:xfrm>
+      </p:grpSpPr>
+      <p:sp>
+        <p:nvSpPr>
+          <p:cNvPr id="2" name="Title 1">
+            <a:extLst>
+              <a:ext uri="{FF2B5EF4-FFF2-40B4-BE49-F238E27FC236}">
+                <a16:creationId xmlns:a16="http://schemas.microsoft.com/office/drawing/2014/main" id="{4CB24D08-4AD9-460F-841C-A176C4C063CF}"/>
+              </a:ext>
+            </a:extLst>
+          </p:cNvPr>
+          <p:cNvSpPr>
+            <a:spLocks noGrp="1"/>
+          </p:cNvSpPr>
+          <p:nvPr>
+            <p:ph type="title"/>
+          </p:nvPr>
+        </p:nvSpPr>
+        <p:spPr/>
+        <p:txBody>
+          <a:bodyPr/>
+          <a:lstStyle/>
+          <a:p>
+            <a:r>
+              <a:rPr lang="en-US" dirty="0"/>
+              <a:t>Polynomial Regression</a:t>
+            </a:r>
+            <a:endParaRPr lang="en-IN" dirty="0"/>
+          </a:p>
+        </p:txBody>
+      </p:sp>
+      <p:sp>
+        <p:nvSpPr>
+          <p:cNvPr id="3" name="Text Placeholder 2">
+            <a:extLst>
+              <a:ext uri="{FF2B5EF4-FFF2-40B4-BE49-F238E27FC236}">
+                <a16:creationId xmlns:a16="http://schemas.microsoft.com/office/drawing/2014/main" id="{8E260AC2-DBDA-4604-8BC2-7B14D18E00D9}"/>
+              </a:ext>
+            </a:extLst>
+          </p:cNvPr>
+          <p:cNvSpPr>
+            <a:spLocks noGrp="1"/>
+          </p:cNvSpPr>
+          <p:nvPr>
+            <p:ph type="body" idx="1"/>
+          </p:nvPr>
+        </p:nvSpPr>
+        <p:spPr>
+          <a:xfrm>
+            <a:off x="460949" y="1388275"/>
+            <a:ext cx="7972931" cy="2710200"/>
+          </a:xfrm>
+        </p:spPr>
+        <p:txBody>
+          <a:bodyPr/>
+          <a:lstStyle/>
+          <a:p>
+            <a:r>
+              <a:rPr lang="en-IN" dirty="0"/>
+              <a:t>special case of linear regression</a:t>
+            </a:r>
+          </a:p>
+          <a:p>
+            <a:r>
+              <a:rPr lang="en-IN" dirty="0"/>
+              <a:t>A curved or non linear line might be a better fit.</a:t>
+            </a:r>
+          </a:p>
+          <a:p>
+            <a:pPr lvl="1"/>
+            <a:endParaRPr lang="en-IN" dirty="0"/>
+          </a:p>
+        </p:txBody>
+      </p:sp>
+      <p:sp>
+        <p:nvSpPr>
+          <p:cNvPr id="4" name="Text Placeholder 2">
+            <a:extLst>
+              <a:ext uri="{FF2B5EF4-FFF2-40B4-BE49-F238E27FC236}">
+                <a16:creationId xmlns:a16="http://schemas.microsoft.com/office/drawing/2014/main" id="{9FF8E869-D862-4608-AA26-CE04FE90F0F9}"/>
+              </a:ext>
+            </a:extLst>
+          </p:cNvPr>
+          <p:cNvSpPr txBox="1">
+            <a:spLocks/>
+          </p:cNvSpPr>
+          <p:nvPr/>
+        </p:nvSpPr>
+        <p:spPr>
+          <a:xfrm>
+            <a:off x="4673027" y="1368820"/>
+            <a:ext cx="3585756" cy="2710200"/>
+          </a:xfrm>
+          <a:prstGeom prst="rect">
+            <a:avLst/>
+          </a:prstGeom>
+          <a:noFill/>
+          <a:ln>
+            <a:noFill/>
+          </a:ln>
+        </p:spPr>
+        <p:txBody>
+          <a:bodyPr spcFirstLastPara="1" wrap="square" lIns="91425" tIns="91425" rIns="91425" bIns="91425" anchor="t" anchorCtr="0"/>
+          <a:lstStyle>
+            <a:defPPr marR="0" lvl="0" algn="l" rtl="0">
+              <a:lnSpc>
+                <a:spcPct val="100000"/>
+              </a:lnSpc>
+              <a:spcBef>
+                <a:spcPts val="0"/>
+              </a:spcBef>
+              <a:spcAft>
+                <a:spcPts val="0"/>
+              </a:spcAft>
+            </a:defPPr>
+            <a:lvl1pPr marL="457200" marR="0" lvl="0" indent="-342900" algn="l" rtl="0">
+              <a:lnSpc>
+                <a:spcPct val="115000"/>
+              </a:lnSpc>
+              <a:spcBef>
+                <a:spcPts val="0"/>
+              </a:spcBef>
+              <a:spcAft>
+                <a:spcPts val="0"/>
+              </a:spcAft>
+              <a:buClr>
+                <a:schemeClr val="lt2"/>
+              </a:buClr>
+              <a:buSzPts val="1800"/>
+              <a:buFont typeface="Roboto"/>
+              <a:buChar char="●"/>
+              <a:defRPr sz="1800" b="0" i="0" u="none" strike="noStrike" cap="none">
+                <a:solidFill>
+                  <a:schemeClr val="lt2"/>
+                </a:solidFill>
+                <a:latin typeface="Roboto"/>
+                <a:ea typeface="Roboto"/>
+                <a:cs typeface="Roboto"/>
+                <a:sym typeface="Roboto"/>
+              </a:defRPr>
+            </a:lvl1pPr>
+            <a:lvl2pPr marL="914400" marR="0" lvl="1" indent="-317500" algn="l" rtl="0">
+              <a:lnSpc>
+                <a:spcPct val="115000"/>
+              </a:lnSpc>
+              <a:spcBef>
+                <a:spcPts val="1600"/>
+              </a:spcBef>
+              <a:spcAft>
+                <a:spcPts val="0"/>
+              </a:spcAft>
+              <a:buClr>
+                <a:schemeClr val="lt2"/>
+              </a:buClr>
+              <a:buSzPts val="1400"/>
+              <a:buFont typeface="Roboto"/>
+              <a:buChar char="○"/>
+              <a:defRPr sz="1400" b="0" i="0" u="none" strike="noStrike" cap="none">
+                <a:solidFill>
+                  <a:schemeClr val="lt2"/>
+                </a:solidFill>
+                <a:latin typeface="Roboto"/>
+                <a:ea typeface="Roboto"/>
+                <a:cs typeface="Roboto"/>
+                <a:sym typeface="Roboto"/>
+              </a:defRPr>
+            </a:lvl2pPr>
+            <a:lvl3pPr marL="1371600" marR="0" lvl="2" indent="-317500" algn="l" rtl="0">
+              <a:lnSpc>
+                <a:spcPct val="115000"/>
+              </a:lnSpc>
+              <a:spcBef>
+                <a:spcPts val="1600"/>
+              </a:spcBef>
+              <a:spcAft>
+                <a:spcPts val="0"/>
+              </a:spcAft>
+              <a:buClr>
+                <a:schemeClr val="lt2"/>
+              </a:buClr>
+              <a:buSzPts val="1400"/>
+              <a:buFont typeface="Roboto"/>
+              <a:buChar char="■"/>
+              <a:defRPr sz="1400" b="0" i="0" u="none" strike="noStrike" cap="none">
+                <a:solidFill>
+                  <a:schemeClr val="lt2"/>
+                </a:solidFill>
+                <a:latin typeface="Roboto"/>
+                <a:ea typeface="Roboto"/>
+                <a:cs typeface="Roboto"/>
+                <a:sym typeface="Roboto"/>
+              </a:defRPr>
+            </a:lvl3pPr>
+            <a:lvl4pPr marL="1828800" marR="0" lvl="3" indent="-317500" algn="l" rtl="0">
+              <a:lnSpc>
+                <a:spcPct val="115000"/>
+              </a:lnSpc>
+              <a:spcBef>
+                <a:spcPts val="1600"/>
+              </a:spcBef>
+              <a:spcAft>
+                <a:spcPts val="0"/>
+              </a:spcAft>
+              <a:buClr>
+                <a:schemeClr val="lt2"/>
+              </a:buClr>
+              <a:buSzPts val="1400"/>
+              <a:buFont typeface="Roboto"/>
+              <a:buChar char="●"/>
+              <a:defRPr sz="1400" b="0" i="0" u="none" strike="noStrike" cap="none">
+                <a:solidFill>
+                  <a:schemeClr val="lt2"/>
+                </a:solidFill>
+                <a:latin typeface="Roboto"/>
+                <a:ea typeface="Roboto"/>
+                <a:cs typeface="Roboto"/>
+                <a:sym typeface="Roboto"/>
+              </a:defRPr>
+            </a:lvl4pPr>
+            <a:lvl5pPr marL="2286000" marR="0" lvl="4" indent="-317500" algn="l" rtl="0">
+              <a:lnSpc>
+                <a:spcPct val="115000"/>
+              </a:lnSpc>
+              <a:spcBef>
+                <a:spcPts val="1600"/>
+              </a:spcBef>
+              <a:spcAft>
+                <a:spcPts val="0"/>
+              </a:spcAft>
+              <a:buClr>
+                <a:schemeClr val="lt2"/>
+              </a:buClr>
+              <a:buSzPts val="1400"/>
+              <a:buFont typeface="Roboto"/>
+              <a:buChar char="○"/>
+              <a:defRPr sz="1400" b="0" i="0" u="none" strike="noStrike" cap="none">
+                <a:solidFill>
+                  <a:schemeClr val="lt2"/>
+                </a:solidFill>
+                <a:latin typeface="Roboto"/>
+                <a:ea typeface="Roboto"/>
+                <a:cs typeface="Roboto"/>
+                <a:sym typeface="Roboto"/>
+              </a:defRPr>
+            </a:lvl5pPr>
+            <a:lvl6pPr marL="2743200" marR="0" lvl="5" indent="-317500" algn="l" rtl="0">
+              <a:lnSpc>
+                <a:spcPct val="115000"/>
+              </a:lnSpc>
+              <a:spcBef>
+                <a:spcPts val="1600"/>
+              </a:spcBef>
+              <a:spcAft>
+                <a:spcPts val="0"/>
+              </a:spcAft>
+              <a:buClr>
+                <a:schemeClr val="lt2"/>
+              </a:buClr>
+              <a:buSzPts val="1400"/>
+              <a:buFont typeface="Roboto"/>
+              <a:buChar char="■"/>
+              <a:defRPr sz="1400" b="0" i="0" u="none" strike="noStrike" cap="none">
+                <a:solidFill>
+                  <a:schemeClr val="lt2"/>
+                </a:solidFill>
+                <a:latin typeface="Roboto"/>
+                <a:ea typeface="Roboto"/>
+                <a:cs typeface="Roboto"/>
+                <a:sym typeface="Roboto"/>
+              </a:defRPr>
+            </a:lvl6pPr>
+            <a:lvl7pPr marL="3200400" marR="0" lvl="6" indent="-317500" algn="l" rtl="0">
+              <a:lnSpc>
+                <a:spcPct val="115000"/>
+              </a:lnSpc>
+              <a:spcBef>
+                <a:spcPts val="1600"/>
+              </a:spcBef>
+              <a:spcAft>
+                <a:spcPts val="0"/>
+              </a:spcAft>
+              <a:buClr>
+                <a:schemeClr val="lt2"/>
+              </a:buClr>
+              <a:buSzPts val="1400"/>
+              <a:buFont typeface="Roboto"/>
+              <a:buChar char="●"/>
+              <a:defRPr sz="1400" b="0" i="0" u="none" strike="noStrike" cap="none">
+                <a:solidFill>
+                  <a:schemeClr val="lt2"/>
+                </a:solidFill>
+                <a:latin typeface="Roboto"/>
+                <a:ea typeface="Roboto"/>
+                <a:cs typeface="Roboto"/>
+                <a:sym typeface="Roboto"/>
+              </a:defRPr>
+            </a:lvl7pPr>
+            <a:lvl8pPr marL="3657600" marR="0" lvl="7" indent="-317500" algn="l" rtl="0">
+              <a:lnSpc>
+                <a:spcPct val="115000"/>
+              </a:lnSpc>
+              <a:spcBef>
+                <a:spcPts val="1600"/>
+              </a:spcBef>
+              <a:spcAft>
+                <a:spcPts val="0"/>
+              </a:spcAft>
+              <a:buClr>
+                <a:schemeClr val="lt2"/>
+              </a:buClr>
+              <a:buSzPts val="1400"/>
+              <a:buFont typeface="Roboto"/>
+              <a:buChar char="○"/>
+              <a:defRPr sz="1400" b="0" i="0" u="none" strike="noStrike" cap="none">
+                <a:solidFill>
+                  <a:schemeClr val="lt2"/>
+                </a:solidFill>
+                <a:latin typeface="Roboto"/>
+                <a:ea typeface="Roboto"/>
+                <a:cs typeface="Roboto"/>
+                <a:sym typeface="Roboto"/>
+              </a:defRPr>
+            </a:lvl8pPr>
+            <a:lvl9pPr marL="4114800" marR="0" lvl="8" indent="-317500" algn="l" rtl="0">
+              <a:lnSpc>
+                <a:spcPct val="115000"/>
+              </a:lnSpc>
+              <a:spcBef>
+                <a:spcPts val="1600"/>
+              </a:spcBef>
+              <a:spcAft>
+                <a:spcPts val="1600"/>
+              </a:spcAft>
+              <a:buClr>
+                <a:schemeClr val="lt2"/>
+              </a:buClr>
+              <a:buSzPts val="1400"/>
+              <a:buFont typeface="Roboto"/>
+              <a:buChar char="■"/>
+              <a:defRPr sz="1400" b="0" i="0" u="none" strike="noStrike" cap="none">
+                <a:solidFill>
+                  <a:schemeClr val="lt2"/>
+                </a:solidFill>
+                <a:latin typeface="Roboto"/>
+                <a:ea typeface="Roboto"/>
+                <a:cs typeface="Roboto"/>
+                <a:sym typeface="Roboto"/>
+              </a:defRPr>
+            </a:lvl9pPr>
+          </a:lstStyle>
+          <a:p>
+            <a:endParaRPr lang="en-IN" dirty="0"/>
+          </a:p>
+        </p:txBody>
+      </p:sp>
+      <p:pic>
+        <p:nvPicPr>
+          <p:cNvPr id="1026" name="Picture 2" descr="https://cdn-images-1.medium.com/max/1000/1*Bg1Zx6fOeL0R8Z9G98A-SA.gif">
+            <a:extLst>
+              <a:ext uri="{FF2B5EF4-FFF2-40B4-BE49-F238E27FC236}">
+                <a16:creationId xmlns:a16="http://schemas.microsoft.com/office/drawing/2014/main" id="{C6BC745B-54E2-425C-8B7B-DC77C9EAE862}"/>
+              </a:ext>
+            </a:extLst>
+          </p:cNvPr>
+          <p:cNvPicPr>
+            <a:picLocks noChangeAspect="1" noChangeArrowheads="1"/>
+          </p:cNvPicPr>
+          <p:nvPr/>
+        </p:nvPicPr>
+        <p:blipFill>
+          <a:blip r:embed="rId2">
+            <a:extLst>
+              <a:ext uri="{28A0092B-C50C-407E-A947-70E740481C1C}">
+                <a14:useLocalDpi xmlns:a14="http://schemas.microsoft.com/office/drawing/2010/main" val="0"/>
+              </a:ext>
+            </a:extLst>
+          </a:blip>
+          <a:srcRect/>
+          <a:stretch>
+            <a:fillRect/>
+          </a:stretch>
+        </p:blipFill>
+        <p:spPr bwMode="auto">
+          <a:xfrm>
+            <a:off x="3584947" y="2301403"/>
+            <a:ext cx="1857375" cy="190500"/>
+          </a:xfrm>
+          <a:prstGeom prst="rect">
+            <a:avLst/>
+          </a:prstGeom>
+          <a:noFill/>
+          <a:extLst>
+            <a:ext uri="{909E8E84-426E-40DD-AFC4-6F175D3DCCD1}">
+              <a14:hiddenFill xmlns:a14="http://schemas.microsoft.com/office/drawing/2010/main">
+                <a:solidFill>
+                  <a:srgbClr val="FFFFFF"/>
+                </a:solidFill>
+              </a14:hiddenFill>
+            </a:ext>
+          </a:extLst>
+        </p:spPr>
+      </p:pic>
+      <p:pic>
+        <p:nvPicPr>
+          <p:cNvPr id="1028" name="Picture 4" descr="https://cdn-images-1.medium.com/max/1000/1*A2UDxVqLmv4KkV4yHkZ5EQ.gif">
+            <a:extLst>
+              <a:ext uri="{FF2B5EF4-FFF2-40B4-BE49-F238E27FC236}">
+                <a16:creationId xmlns:a16="http://schemas.microsoft.com/office/drawing/2014/main" id="{53B79BBE-147A-4091-961A-EEA29630804D}"/>
+              </a:ext>
+            </a:extLst>
+          </p:cNvPr>
+          <p:cNvPicPr>
+            <a:picLocks noChangeAspect="1" noChangeArrowheads="1"/>
+          </p:cNvPicPr>
+          <p:nvPr/>
+        </p:nvPicPr>
+        <p:blipFill>
+          <a:blip r:embed="rId3">
+            <a:extLst>
+              <a:ext uri="{28A0092B-C50C-407E-A947-70E740481C1C}">
+                <a14:useLocalDpi xmlns:a14="http://schemas.microsoft.com/office/drawing/2010/main" val="0"/>
+              </a:ext>
+            </a:extLst>
+          </a:blip>
+          <a:srcRect/>
+          <a:stretch>
+            <a:fillRect/>
+          </a:stretch>
+        </p:blipFill>
+        <p:spPr bwMode="auto">
+          <a:xfrm>
+            <a:off x="3222794" y="2748874"/>
+            <a:ext cx="2562225" cy="190500"/>
+          </a:xfrm>
+          <a:prstGeom prst="rect">
+            <a:avLst/>
+          </a:prstGeom>
+          <a:noFill/>
+          <a:extLst>
+            <a:ext uri="{909E8E84-426E-40DD-AFC4-6F175D3DCCD1}">
+              <a14:hiddenFill xmlns:a14="http://schemas.microsoft.com/office/drawing/2010/main">
+                <a:solidFill>
+                  <a:srgbClr val="FFFFFF"/>
+                </a:solidFill>
+              </a14:hiddenFill>
+            </a:ext>
+          </a:extLst>
+        </p:spPr>
+      </p:pic>
+      <p:pic>
+        <p:nvPicPr>
+          <p:cNvPr id="1030" name="Picture 6" descr="https://cdn-images-1.medium.com/max/1000/1*PWT0R1EnTIaLSNcWWnItWA.gif">
+            <a:extLst>
+              <a:ext uri="{FF2B5EF4-FFF2-40B4-BE49-F238E27FC236}">
+                <a16:creationId xmlns:a16="http://schemas.microsoft.com/office/drawing/2014/main" id="{6C3196D1-3027-49DA-87F2-EA633727ECC8}"/>
+              </a:ext>
+            </a:extLst>
+          </p:cNvPr>
+          <p:cNvPicPr>
+            <a:picLocks noChangeAspect="1" noChangeArrowheads="1"/>
+          </p:cNvPicPr>
+          <p:nvPr/>
+        </p:nvPicPr>
+        <p:blipFill>
+          <a:blip r:embed="rId4">
+            <a:extLst>
+              <a:ext uri="{28A0092B-C50C-407E-A947-70E740481C1C}">
+                <a14:useLocalDpi xmlns:a14="http://schemas.microsoft.com/office/drawing/2010/main" val="0"/>
+              </a:ext>
+            </a:extLst>
+          </a:blip>
+          <a:srcRect/>
+          <a:stretch>
+            <a:fillRect/>
+          </a:stretch>
+        </p:blipFill>
+        <p:spPr bwMode="auto">
+          <a:xfrm>
+            <a:off x="2772383" y="3196347"/>
+            <a:ext cx="3657600" cy="190500"/>
+          </a:xfrm>
+          <a:prstGeom prst="rect">
+            <a:avLst/>
+          </a:prstGeom>
+          <a:noFill/>
+          <a:extLst>
+            <a:ext uri="{909E8E84-426E-40DD-AFC4-6F175D3DCCD1}">
+              <a14:hiddenFill xmlns:a14="http://schemas.microsoft.com/office/drawing/2010/main">
+                <a:solidFill>
+                  <a:srgbClr val="FFFFFF"/>
+                </a:solidFill>
+              </a14:hiddenFill>
+            </a:ext>
+          </a:extLst>
+        </p:spPr>
+      </p:pic>
+      <p:sp>
+        <p:nvSpPr>
+          <p:cNvPr id="6" name="Rectangle 5">
+            <a:extLst>
+              <a:ext uri="{FF2B5EF4-FFF2-40B4-BE49-F238E27FC236}">
+                <a16:creationId xmlns:a16="http://schemas.microsoft.com/office/drawing/2014/main" id="{12254CC0-B054-4E69-9BA9-189621B8562F}"/>
+              </a:ext>
+            </a:extLst>
+          </p:cNvPr>
+          <p:cNvSpPr/>
+          <p:nvPr/>
+        </p:nvSpPr>
+        <p:spPr>
+          <a:xfrm>
+            <a:off x="2412459" y="3633101"/>
+            <a:ext cx="4572000" cy="523220"/>
+          </a:xfrm>
+          <a:prstGeom prst="rect">
+            <a:avLst/>
+          </a:prstGeom>
+        </p:spPr>
+        <p:txBody>
+          <a:bodyPr>
+            <a:spAutoFit/>
+          </a:bodyPr>
+          <a:lstStyle/>
+          <a:p>
+            <a:r>
+              <a:rPr lang="en-IN" dirty="0">
+                <a:solidFill>
+                  <a:srgbClr val="3C484E"/>
+                </a:solidFill>
+                <a:latin typeface="Georgia" panose="02040502050405020303" pitchFamily="18" charset="0"/>
+              </a:rPr>
+              <a:t>Polynomial regression is useful as it allows us to fit a model to nonlinear relation.</a:t>
+            </a:r>
+            <a:endParaRPr lang="en-IN" dirty="0"/>
+          </a:p>
+        </p:txBody>
+      </p:sp>
+    </p:spTree>
+    <p:extLst>
+      <p:ext uri="{BB962C8B-B14F-4D97-AF65-F5344CB8AC3E}">
+        <p14:creationId xmlns:p14="http://schemas.microsoft.com/office/powerpoint/2010/main" val="103363316"/>
+      </p:ext>
+    </p:extLst>
+  </p:cSld>
+  <p:clrMapOvr>
+    <a:masterClrMapping/>
+  </p:clrMapOvr>
+</p:sld>
+</file>
+
+<file path=ppt/slides/slide16.xml><?xml version="1.0" encoding="utf-8"?>
+<p:sld xmlns:a="http://schemas.openxmlformats.org/drawingml/2006/main" xmlns:r="http://schemas.openxmlformats.org/officeDocument/2006/relationships" xmlns:p="http://schemas.openxmlformats.org/presentationml/2006/main">
+  <p:cSld>
+    <p:spTree>
+      <p:nvGrpSpPr>
+        <p:cNvPr id="1" name=""/>
+        <p:cNvGrpSpPr/>
+        <p:nvPr/>
+      </p:nvGrpSpPr>
+      <p:grpSpPr>
+        <a:xfrm>
+          <a:off x="0" y="0"/>
+          <a:ext cx="0" cy="0"/>
+          <a:chOff x="0" y="0"/>
+          <a:chExt cx="0" cy="0"/>
+        </a:xfrm>
+      </p:grpSpPr>
+      <p:sp>
+        <p:nvSpPr>
+          <p:cNvPr id="2" name="Title 1">
+            <a:extLst>
+              <a:ext uri="{FF2B5EF4-FFF2-40B4-BE49-F238E27FC236}">
+                <a16:creationId xmlns:a16="http://schemas.microsoft.com/office/drawing/2014/main" id="{3D489D38-3DAD-42BD-BE03-AA4BDA230F69}"/>
+              </a:ext>
+            </a:extLst>
+          </p:cNvPr>
+          <p:cNvSpPr>
+            <a:spLocks noGrp="1"/>
+          </p:cNvSpPr>
+          <p:nvPr>
+            <p:ph type="title"/>
+          </p:nvPr>
+        </p:nvSpPr>
+        <p:spPr/>
+        <p:txBody>
+          <a:bodyPr/>
+          <a:lstStyle/>
+          <a:p>
+            <a:r>
+              <a:rPr lang="en-US" dirty="0"/>
+              <a:t>Building Polynomial Features</a:t>
+            </a:r>
+            <a:endParaRPr lang="en-IN" dirty="0"/>
+          </a:p>
+        </p:txBody>
+      </p:sp>
+      <p:sp>
+        <p:nvSpPr>
+          <p:cNvPr id="3" name="Text Placeholder 2">
+            <a:extLst>
+              <a:ext uri="{FF2B5EF4-FFF2-40B4-BE49-F238E27FC236}">
+                <a16:creationId xmlns:a16="http://schemas.microsoft.com/office/drawing/2014/main" id="{EA2F3E45-02D2-43AD-831F-DE1C0ABF9B2D}"/>
+              </a:ext>
+            </a:extLst>
+          </p:cNvPr>
+          <p:cNvSpPr>
+            <a:spLocks noGrp="1"/>
+          </p:cNvSpPr>
+          <p:nvPr>
+            <p:ph type="body" idx="1"/>
+          </p:nvPr>
+        </p:nvSpPr>
+        <p:spPr>
+          <a:xfrm>
+            <a:off x="529043" y="1466097"/>
+            <a:ext cx="8222100" cy="2710200"/>
+          </a:xfrm>
+        </p:spPr>
+        <p:txBody>
+          <a:bodyPr/>
+          <a:lstStyle/>
+          <a:p>
+            <a:pPr marL="114300" indent="0">
+              <a:buNone/>
+            </a:pPr>
+            <a:r>
+              <a:rPr lang="en-IN" dirty="0"/>
+              <a:t>Polynomial Features </a:t>
+            </a:r>
+          </a:p>
+          <a:p>
+            <a:pPr marL="114300" indent="0">
+              <a:buNone/>
+            </a:pPr>
+            <a:endParaRPr lang="en-IN" dirty="0"/>
+          </a:p>
+          <a:p>
+            <a:pPr marL="114300" indent="0">
+              <a:buNone/>
+            </a:pPr>
+            <a:endParaRPr lang="en-IN" dirty="0"/>
+          </a:p>
+          <a:p>
+            <a:pPr marL="114300" indent="0">
+              <a:buNone/>
+            </a:pPr>
+            <a:r>
+              <a:rPr lang="en-IN" dirty="0"/>
+              <a:t>Interaction Terms : a *b </a:t>
+            </a:r>
+          </a:p>
+          <a:p>
+            <a:pPr marL="114300" indent="0">
+              <a:buNone/>
+            </a:pPr>
+            <a:endParaRPr lang="en-IN" dirty="0"/>
+          </a:p>
+          <a:p>
+            <a:pPr marL="114300" indent="0">
+              <a:buNone/>
+            </a:pPr>
+            <a:endParaRPr lang="en-IN" dirty="0"/>
+          </a:p>
+        </p:txBody>
+      </p:sp>
+      <p:pic>
+        <p:nvPicPr>
+          <p:cNvPr id="2050" name="Picture 2" descr="https://cdn-images-1.medium.com/max/1000/1*R92OPOLoSyFzTdBr17G5gw.gif">
+            <a:extLst>
+              <a:ext uri="{FF2B5EF4-FFF2-40B4-BE49-F238E27FC236}">
+                <a16:creationId xmlns:a16="http://schemas.microsoft.com/office/drawing/2014/main" id="{3B28A8CB-559F-42E4-A5CE-2B6741B36E39}"/>
+              </a:ext>
+            </a:extLst>
+          </p:cNvPr>
+          <p:cNvPicPr>
+            <a:picLocks noChangeAspect="1" noChangeArrowheads="1"/>
+          </p:cNvPicPr>
+          <p:nvPr/>
+        </p:nvPicPr>
+        <p:blipFill>
+          <a:blip r:embed="rId3">
+            <a:extLst>
+              <a:ext uri="{28A0092B-C50C-407E-A947-70E740481C1C}">
+                <a14:useLocalDpi xmlns:a14="http://schemas.microsoft.com/office/drawing/2010/main" val="0"/>
+              </a:ext>
+            </a:extLst>
+          </a:blip>
+          <a:srcRect/>
+          <a:stretch>
+            <a:fillRect/>
+          </a:stretch>
+        </p:blipFill>
+        <p:spPr bwMode="auto">
+          <a:xfrm>
+            <a:off x="787232" y="1961137"/>
+            <a:ext cx="390525" cy="209550"/>
+          </a:xfrm>
+          <a:prstGeom prst="rect">
+            <a:avLst/>
+          </a:prstGeom>
+          <a:noFill/>
+          <a:extLst>
+            <a:ext uri="{909E8E84-426E-40DD-AFC4-6F175D3DCCD1}">
+              <a14:hiddenFill xmlns:a14="http://schemas.microsoft.com/office/drawing/2010/main">
+                <a:solidFill>
+                  <a:srgbClr val="FFFFFF"/>
+                </a:solidFill>
+              </a14:hiddenFill>
+            </a:ext>
+          </a:extLst>
+        </p:spPr>
+      </p:pic>
+      <p:pic>
+        <p:nvPicPr>
+          <p:cNvPr id="2052" name="Picture 4" descr="https://cdn-images-1.medium.com/max/1000/1*ML7Vziew79no2AuSGg_p4Q.gif">
+            <a:extLst>
+              <a:ext uri="{FF2B5EF4-FFF2-40B4-BE49-F238E27FC236}">
+                <a16:creationId xmlns:a16="http://schemas.microsoft.com/office/drawing/2014/main" id="{717B308D-F4F4-4252-B261-F9FB43F453CB}"/>
+              </a:ext>
+            </a:extLst>
+          </p:cNvPr>
+          <p:cNvPicPr>
+            <a:picLocks noChangeAspect="1" noChangeArrowheads="1"/>
+          </p:cNvPicPr>
+          <p:nvPr/>
+        </p:nvPicPr>
+        <p:blipFill>
+          <a:blip r:embed="rId4">
+            <a:extLst>
+              <a:ext uri="{28A0092B-C50C-407E-A947-70E740481C1C}">
+                <a14:useLocalDpi xmlns:a14="http://schemas.microsoft.com/office/drawing/2010/main" val="0"/>
+              </a:ext>
+            </a:extLst>
+          </a:blip>
+          <a:srcRect/>
+          <a:stretch>
+            <a:fillRect/>
+          </a:stretch>
+        </p:blipFill>
+        <p:spPr bwMode="auto">
+          <a:xfrm>
+            <a:off x="1987787" y="1951410"/>
+            <a:ext cx="1685925" cy="209550"/>
+          </a:xfrm>
+          <a:prstGeom prst="rect">
+            <a:avLst/>
+          </a:prstGeom>
+          <a:noFill/>
+          <a:extLst>
+            <a:ext uri="{909E8E84-426E-40DD-AFC4-6F175D3DCCD1}">
+              <a14:hiddenFill xmlns:a14="http://schemas.microsoft.com/office/drawing/2010/main">
+                <a:solidFill>
+                  <a:srgbClr val="FFFFFF"/>
+                </a:solidFill>
+              </a14:hiddenFill>
+            </a:ext>
+          </a:extLst>
+        </p:spPr>
+      </p:pic>
+      <p:cxnSp>
+        <p:nvCxnSpPr>
+          <p:cNvPr id="5" name="Straight Arrow Connector 4">
+            <a:extLst>
+              <a:ext uri="{FF2B5EF4-FFF2-40B4-BE49-F238E27FC236}">
+                <a16:creationId xmlns:a16="http://schemas.microsoft.com/office/drawing/2014/main" id="{0AB80C8C-B95E-42F5-8FE1-D1660E3BAD29}"/>
+              </a:ext>
+            </a:extLst>
+          </p:cNvPr>
+          <p:cNvCxnSpPr/>
+          <p:nvPr/>
+        </p:nvCxnSpPr>
+        <p:spPr>
+          <a:xfrm>
+            <a:off x="1303506" y="2023353"/>
+            <a:ext cx="505839" cy="0"/>
+          </a:xfrm>
+          <a:prstGeom prst="straightConnector1">
+            <a:avLst/>
+          </a:prstGeom>
+          <a:ln>
+            <a:tailEnd type="triangle"/>
+          </a:ln>
+        </p:spPr>
+        <p:style>
+          <a:lnRef idx="1">
+            <a:schemeClr val="accent1"/>
+          </a:lnRef>
+          <a:fillRef idx="0">
+            <a:schemeClr val="accent1"/>
+          </a:fillRef>
+          <a:effectRef idx="0">
+            <a:schemeClr val="accent1"/>
+          </a:effectRef>
+          <a:fontRef idx="minor">
+            <a:schemeClr val="tx1"/>
+          </a:fontRef>
+        </p:style>
+      </p:cxnSp>
+    </p:spTree>
+    <p:extLst>
+      <p:ext uri="{BB962C8B-B14F-4D97-AF65-F5344CB8AC3E}">
+        <p14:creationId xmlns:p14="http://schemas.microsoft.com/office/powerpoint/2010/main" val="274821726"/>
+      </p:ext>
+    </p:extLst>
+  </p:cSld>
+  <p:clrMapOvr>
+    <a:masterClrMapping/>
+  </p:clrMapOvr>
+</p:sld>
+</file>
+
+<file path=ppt/slides/slide17.xml><?xml version="1.0" encoding="utf-8"?>
+<p:sld xmlns:a="http://schemas.openxmlformats.org/drawingml/2006/main" xmlns:r="http://schemas.openxmlformats.org/officeDocument/2006/relationships" xmlns:p="http://schemas.openxmlformats.org/presentationml/2006/main">
+  <p:cSld>
+    <p:spTree>
+      <p:nvGrpSpPr>
+        <p:cNvPr id="1" name=""/>
+        <p:cNvGrpSpPr/>
+        <p:nvPr/>
+      </p:nvGrpSpPr>
+      <p:grpSpPr>
+        <a:xfrm>
+          <a:off x="0" y="0"/>
+          <a:ext cx="0" cy="0"/>
+          <a:chOff x="0" y="0"/>
+          <a:chExt cx="0" cy="0"/>
+        </a:xfrm>
+      </p:grpSpPr>
+      <p:sp>
+        <p:nvSpPr>
+          <p:cNvPr id="2" name="Title 1">
+            <a:extLst>
+              <a:ext uri="{FF2B5EF4-FFF2-40B4-BE49-F238E27FC236}">
+                <a16:creationId xmlns:a16="http://schemas.microsoft.com/office/drawing/2014/main" id="{04B8717B-F0F4-4FC2-9ABF-6DEBD31F44A8}"/>
+              </a:ext>
+            </a:extLst>
+          </p:cNvPr>
+          <p:cNvSpPr>
+            <a:spLocks noGrp="1"/>
+          </p:cNvSpPr>
+          <p:nvPr>
+            <p:ph type="title"/>
+          </p:nvPr>
+        </p:nvSpPr>
+        <p:spPr/>
+        <p:txBody>
+          <a:bodyPr/>
+          <a:lstStyle/>
+          <a:p>
+            <a:r>
+              <a:rPr lang="en-IN" dirty="0"/>
+              <a:t>Polynomial Functions</a:t>
+            </a:r>
+          </a:p>
+        </p:txBody>
+      </p:sp>
+      <p:sp>
+        <p:nvSpPr>
+          <p:cNvPr id="6" name="Text Placeholder 5">
+            <a:extLst>
+              <a:ext uri="{FF2B5EF4-FFF2-40B4-BE49-F238E27FC236}">
+                <a16:creationId xmlns:a16="http://schemas.microsoft.com/office/drawing/2014/main" id="{79D19AD5-2EC7-4B90-8E61-0344D484EA06}"/>
+              </a:ext>
+            </a:extLst>
+          </p:cNvPr>
+          <p:cNvSpPr>
+            <a:spLocks noGrp="1"/>
+          </p:cNvSpPr>
+          <p:nvPr>
+            <p:ph type="body" idx="1"/>
+          </p:nvPr>
+        </p:nvSpPr>
+        <p:spPr/>
+        <p:txBody>
+          <a:bodyPr/>
+          <a:lstStyle/>
+          <a:p>
+            <a:endParaRPr lang="en-IN" dirty="0"/>
+          </a:p>
+        </p:txBody>
+      </p:sp>
+      <p:pic>
+        <p:nvPicPr>
+          <p:cNvPr id="3074" name="Picture 2" descr="https://cdn-images-1.medium.com/max/880/1*pjIp920-MZdS_3fLVhf-Dw.jpeg">
+            <a:extLst>
+              <a:ext uri="{FF2B5EF4-FFF2-40B4-BE49-F238E27FC236}">
+                <a16:creationId xmlns:a16="http://schemas.microsoft.com/office/drawing/2014/main" id="{3410089F-7C7F-478B-98CA-68CC373D50E8}"/>
+              </a:ext>
+            </a:extLst>
+          </p:cNvPr>
+          <p:cNvPicPr>
+            <a:picLocks noChangeAspect="1" noChangeArrowheads="1"/>
+          </p:cNvPicPr>
+          <p:nvPr/>
+        </p:nvPicPr>
+        <p:blipFill>
+          <a:blip r:embed="rId3">
+            <a:extLst>
+              <a:ext uri="{28A0092B-C50C-407E-A947-70E740481C1C}">
+                <a14:useLocalDpi xmlns:a14="http://schemas.microsoft.com/office/drawing/2010/main" val="0"/>
+              </a:ext>
+            </a:extLst>
+          </a:blip>
+          <a:srcRect/>
+          <a:stretch>
+            <a:fillRect/>
+          </a:stretch>
+        </p:blipFill>
+        <p:spPr bwMode="auto">
+          <a:xfrm>
+            <a:off x="3775952" y="583658"/>
+            <a:ext cx="5158903" cy="3869177"/>
+          </a:xfrm>
+          <a:prstGeom prst="rect">
+            <a:avLst/>
+          </a:prstGeom>
+          <a:noFill/>
+          <a:extLst>
+            <a:ext uri="{909E8E84-426E-40DD-AFC4-6F175D3DCCD1}">
+              <a14:hiddenFill xmlns:a14="http://schemas.microsoft.com/office/drawing/2010/main">
+                <a:solidFill>
+                  <a:srgbClr val="FFFFFF"/>
+                </a:solidFill>
+              </a14:hiddenFill>
+            </a:ext>
+          </a:extLst>
+        </p:spPr>
+      </p:pic>
+    </p:spTree>
+    <p:extLst>
+      <p:ext uri="{BB962C8B-B14F-4D97-AF65-F5344CB8AC3E}">
+        <p14:creationId xmlns:p14="http://schemas.microsoft.com/office/powerpoint/2010/main" val="3604226557"/>
+      </p:ext>
+    </p:extLst>
+  </p:cSld>
+  <p:clrMapOvr>
+    <a:masterClrMapping/>
+  </p:clrMapOvr>
+</p:sld>
+</file>
+
+<file path=ppt/slides/slide18.xml><?xml version="1.0" encoding="utf-8"?>
+<p:sld xmlns:a="http://schemas.openxmlformats.org/drawingml/2006/main" xmlns:r="http://schemas.openxmlformats.org/officeDocument/2006/relationships" xmlns:p="http://schemas.openxmlformats.org/presentationml/2006/main">
+  <p:cSld>
+    <p:spTree>
+      <p:nvGrpSpPr>
+        <p:cNvPr id="1" name=""/>
+        <p:cNvGrpSpPr/>
+        <p:nvPr/>
+      </p:nvGrpSpPr>
+      <p:grpSpPr>
+        <a:xfrm>
+          <a:off x="0" y="0"/>
+          <a:ext cx="0" cy="0"/>
+          <a:chOff x="0" y="0"/>
+          <a:chExt cx="0" cy="0"/>
+        </a:xfrm>
+      </p:grpSpPr>
+      <p:sp>
+        <p:nvSpPr>
           <p:cNvPr id="4" name="Text Placeholder 3">
             <a:extLst>
               <a:ext uri="{FF2B5EF4-FFF2-40B4-BE49-F238E27FC236}">
@@ -7008,7 +8336,7 @@
 </p:sld>
 </file>
 
-<file path=ppt/slides/slide15.xml><?xml version="1.0" encoding="utf-8"?>
+<file path=ppt/slides/slide19.xml><?xml version="1.0" encoding="utf-8"?>
 <p:sld xmlns:a="http://schemas.openxmlformats.org/drawingml/2006/main" xmlns:r="http://schemas.openxmlformats.org/officeDocument/2006/relationships" xmlns:p="http://schemas.openxmlformats.org/presentationml/2006/main">
   <p:cSld>
     <p:spTree>
